--- a/team1/Team1_presentation.pptx
+++ b/team1/Team1_presentation.pptx
@@ -5,7 +5,7 @@
     <p:sldMasterId id="2147483648" r:id="rId1"/>
   </p:sldMasterIdLst>
   <p:notesMasterIdLst>
-    <p:notesMasterId r:id="rId11"/>
+    <p:notesMasterId r:id="rId14"/>
   </p:notesMasterIdLst>
   <p:sldIdLst>
     <p:sldId id="256" r:id="rId2"/>
@@ -17,6 +17,9 @@
     <p:sldId id="263" r:id="rId8"/>
     <p:sldId id="261" r:id="rId9"/>
     <p:sldId id="264" r:id="rId10"/>
+    <p:sldId id="265" r:id="rId11"/>
+    <p:sldId id="266" r:id="rId12"/>
+    <p:sldId id="267" r:id="rId13"/>
   </p:sldIdLst>
   <p:sldSz cx="12192000" cy="6858000"/>
   <p:notesSz cx="6858000" cy="9144000"/>
@@ -7226,6 +7229,939 @@
 </p:sld>
 </file>
 
+<file path=ppt/slides/slide10.xml><?xml version="1.0" encoding="utf-8"?>
+<p:sld xmlns:a="http://schemas.openxmlformats.org/drawingml/2006/main" xmlns:r="http://schemas.openxmlformats.org/officeDocument/2006/relationships" xmlns:p="http://schemas.openxmlformats.org/presentationml/2006/main">
+  <p:cSld>
+    <p:spTree>
+      <p:nvGrpSpPr>
+        <p:cNvPr id="1" name="">
+          <a:extLst>
+            <a:ext uri="{FF2B5EF4-FFF2-40B4-BE49-F238E27FC236}">
+              <a16:creationId xmlns:a16="http://schemas.microsoft.com/office/drawing/2014/main" id="{AE7F644B-AB47-8D2A-8808-4918B4AFB9B1}"/>
+            </a:ext>
+          </a:extLst>
+        </p:cNvPr>
+        <p:cNvGrpSpPr/>
+        <p:nvPr/>
+      </p:nvGrpSpPr>
+      <p:grpSpPr>
+        <a:xfrm>
+          <a:off x="0" y="0"/>
+          <a:ext cx="0" cy="0"/>
+          <a:chOff x="0" y="0"/>
+          <a:chExt cx="0" cy="0"/>
+        </a:xfrm>
+      </p:grpSpPr>
+      <p:sp>
+        <p:nvSpPr>
+          <p:cNvPr id="3" name="Content Placeholder 2">
+            <a:extLst>
+              <a:ext uri="{FF2B5EF4-FFF2-40B4-BE49-F238E27FC236}">
+                <a16:creationId xmlns:a16="http://schemas.microsoft.com/office/drawing/2014/main" id="{D2C61385-7CCA-9BC9-DF93-DD1A8FF1905D}"/>
+              </a:ext>
+            </a:extLst>
+          </p:cNvPr>
+          <p:cNvSpPr txBox="1">
+            <a:spLocks/>
+          </p:cNvSpPr>
+          <p:nvPr/>
+        </p:nvSpPr>
+        <p:spPr>
+          <a:xfrm>
+            <a:off x="307381" y="1902698"/>
+            <a:ext cx="11721325" cy="4825780"/>
+          </a:xfrm>
+          <a:prstGeom prst="rect">
+            <a:avLst/>
+          </a:prstGeom>
+        </p:spPr>
+        <p:txBody>
+          <a:bodyPr vert="horz" lIns="91440" tIns="45720" rIns="91440" bIns="45720" rtlCol="0" anchor="ctr">
+            <a:normAutofit/>
+          </a:bodyPr>
+          <a:lstStyle>
+            <a:lvl1pPr marL="0" indent="0" algn="ctr" defTabSz="914400" rtl="0" eaLnBrk="1" latinLnBrk="0" hangingPunct="1">
+              <a:lnSpc>
+                <a:spcPct val="90000"/>
+              </a:lnSpc>
+              <a:spcBef>
+                <a:spcPts val="1000"/>
+              </a:spcBef>
+              <a:buFont typeface="Arial" panose="020B0604020202020204" pitchFamily="34" charset="0"/>
+              <a:buNone/>
+              <a:defRPr sz="2400" kern="1200">
+                <a:solidFill>
+                  <a:schemeClr val="tx1"/>
+                </a:solidFill>
+                <a:latin typeface="+mn-lt"/>
+                <a:ea typeface="+mn-ea"/>
+                <a:cs typeface="+mn-cs"/>
+              </a:defRPr>
+            </a:lvl1pPr>
+            <a:lvl2pPr marL="457200" indent="0" algn="ctr" defTabSz="914400" rtl="0" eaLnBrk="1" latinLnBrk="0" hangingPunct="1">
+              <a:lnSpc>
+                <a:spcPct val="90000"/>
+              </a:lnSpc>
+              <a:spcBef>
+                <a:spcPts val="500"/>
+              </a:spcBef>
+              <a:buFont typeface="Arial" panose="020B0604020202020204" pitchFamily="34" charset="0"/>
+              <a:buNone/>
+              <a:defRPr sz="2000" kern="1200">
+                <a:solidFill>
+                  <a:schemeClr val="tx1"/>
+                </a:solidFill>
+                <a:latin typeface="+mn-lt"/>
+                <a:ea typeface="+mn-ea"/>
+                <a:cs typeface="+mn-cs"/>
+              </a:defRPr>
+            </a:lvl2pPr>
+            <a:lvl3pPr marL="914400" indent="0" algn="ctr" defTabSz="914400" rtl="0" eaLnBrk="1" latinLnBrk="0" hangingPunct="1">
+              <a:lnSpc>
+                <a:spcPct val="90000"/>
+              </a:lnSpc>
+              <a:spcBef>
+                <a:spcPts val="500"/>
+              </a:spcBef>
+              <a:buFont typeface="Arial" panose="020B0604020202020204" pitchFamily="34" charset="0"/>
+              <a:buNone/>
+              <a:defRPr sz="1800" kern="1200">
+                <a:solidFill>
+                  <a:schemeClr val="tx1"/>
+                </a:solidFill>
+                <a:latin typeface="+mn-lt"/>
+                <a:ea typeface="+mn-ea"/>
+                <a:cs typeface="+mn-cs"/>
+              </a:defRPr>
+            </a:lvl3pPr>
+            <a:lvl4pPr marL="1371600" indent="0" algn="ctr" defTabSz="914400" rtl="0" eaLnBrk="1" latinLnBrk="0" hangingPunct="1">
+              <a:lnSpc>
+                <a:spcPct val="90000"/>
+              </a:lnSpc>
+              <a:spcBef>
+                <a:spcPts val="500"/>
+              </a:spcBef>
+              <a:buFont typeface="Arial" panose="020B0604020202020204" pitchFamily="34" charset="0"/>
+              <a:buNone/>
+              <a:defRPr sz="1600" kern="1200">
+                <a:solidFill>
+                  <a:schemeClr val="tx1"/>
+                </a:solidFill>
+                <a:latin typeface="+mn-lt"/>
+                <a:ea typeface="+mn-ea"/>
+                <a:cs typeface="+mn-cs"/>
+              </a:defRPr>
+            </a:lvl4pPr>
+            <a:lvl5pPr marL="1828800" indent="0" algn="ctr" defTabSz="914400" rtl="0" eaLnBrk="1" latinLnBrk="0" hangingPunct="1">
+              <a:lnSpc>
+                <a:spcPct val="90000"/>
+              </a:lnSpc>
+              <a:spcBef>
+                <a:spcPts val="500"/>
+              </a:spcBef>
+              <a:buFont typeface="Arial" panose="020B0604020202020204" pitchFamily="34" charset="0"/>
+              <a:buNone/>
+              <a:defRPr sz="1600" kern="1200">
+                <a:solidFill>
+                  <a:schemeClr val="tx1"/>
+                </a:solidFill>
+                <a:latin typeface="+mn-lt"/>
+                <a:ea typeface="+mn-ea"/>
+                <a:cs typeface="+mn-cs"/>
+              </a:defRPr>
+            </a:lvl5pPr>
+            <a:lvl6pPr marL="2286000" indent="0" algn="ctr" defTabSz="914400" rtl="0" eaLnBrk="1" latinLnBrk="0" hangingPunct="1">
+              <a:lnSpc>
+                <a:spcPct val="90000"/>
+              </a:lnSpc>
+              <a:spcBef>
+                <a:spcPts val="500"/>
+              </a:spcBef>
+              <a:buFont typeface="Arial" panose="020B0604020202020204" pitchFamily="34" charset="0"/>
+              <a:buNone/>
+              <a:defRPr sz="1600" kern="1200">
+                <a:solidFill>
+                  <a:schemeClr val="tx1"/>
+                </a:solidFill>
+                <a:latin typeface="+mn-lt"/>
+                <a:ea typeface="+mn-ea"/>
+                <a:cs typeface="+mn-cs"/>
+              </a:defRPr>
+            </a:lvl6pPr>
+            <a:lvl7pPr marL="2743200" indent="0" algn="ctr" defTabSz="914400" rtl="0" eaLnBrk="1" latinLnBrk="0" hangingPunct="1">
+              <a:lnSpc>
+                <a:spcPct val="90000"/>
+              </a:lnSpc>
+              <a:spcBef>
+                <a:spcPts val="500"/>
+              </a:spcBef>
+              <a:buFont typeface="Arial" panose="020B0604020202020204" pitchFamily="34" charset="0"/>
+              <a:buNone/>
+              <a:defRPr sz="1600" kern="1200">
+                <a:solidFill>
+                  <a:schemeClr val="tx1"/>
+                </a:solidFill>
+                <a:latin typeface="+mn-lt"/>
+                <a:ea typeface="+mn-ea"/>
+                <a:cs typeface="+mn-cs"/>
+              </a:defRPr>
+            </a:lvl7pPr>
+            <a:lvl8pPr marL="3200400" indent="0" algn="ctr" defTabSz="914400" rtl="0" eaLnBrk="1" latinLnBrk="0" hangingPunct="1">
+              <a:lnSpc>
+                <a:spcPct val="90000"/>
+              </a:lnSpc>
+              <a:spcBef>
+                <a:spcPts val="500"/>
+              </a:spcBef>
+              <a:buFont typeface="Arial" panose="020B0604020202020204" pitchFamily="34" charset="0"/>
+              <a:buNone/>
+              <a:defRPr sz="1600" kern="1200">
+                <a:solidFill>
+                  <a:schemeClr val="tx1"/>
+                </a:solidFill>
+                <a:latin typeface="+mn-lt"/>
+                <a:ea typeface="+mn-ea"/>
+                <a:cs typeface="+mn-cs"/>
+              </a:defRPr>
+            </a:lvl8pPr>
+            <a:lvl9pPr marL="3657600" indent="0" algn="ctr" defTabSz="914400" rtl="0" eaLnBrk="1" latinLnBrk="0" hangingPunct="1">
+              <a:lnSpc>
+                <a:spcPct val="90000"/>
+              </a:lnSpc>
+              <a:spcBef>
+                <a:spcPts val="500"/>
+              </a:spcBef>
+              <a:buFont typeface="Arial" panose="020B0604020202020204" pitchFamily="34" charset="0"/>
+              <a:buNone/>
+              <a:defRPr sz="1600" kern="1200">
+                <a:solidFill>
+                  <a:schemeClr val="tx1"/>
+                </a:solidFill>
+                <a:latin typeface="+mn-lt"/>
+                <a:ea typeface="+mn-ea"/>
+                <a:cs typeface="+mn-cs"/>
+              </a:defRPr>
+            </a:lvl9pPr>
+          </a:lstStyle>
+          <a:p>
+            <a:endParaRPr lang="en-GB" sz="1800" dirty="0"/>
+          </a:p>
+        </p:txBody>
+      </p:sp>
+      <p:pic>
+        <p:nvPicPr>
+          <p:cNvPr id="13" name="Picture 12">
+            <a:extLst>
+              <a:ext uri="{FF2B5EF4-FFF2-40B4-BE49-F238E27FC236}">
+                <a16:creationId xmlns:a16="http://schemas.microsoft.com/office/drawing/2014/main" id="{E8B33F97-F084-2183-2610-DEB6D1205539}"/>
+              </a:ext>
+            </a:extLst>
+          </p:cNvPr>
+          <p:cNvPicPr>
+            <a:picLocks noChangeAspect="1"/>
+          </p:cNvPicPr>
+          <p:nvPr/>
+        </p:nvPicPr>
+        <p:blipFill>
+          <a:blip r:embed="rId2"/>
+          <a:stretch>
+            <a:fillRect/>
+          </a:stretch>
+        </p:blipFill>
+        <p:spPr>
+          <a:xfrm>
+            <a:off x="5988570" y="258580"/>
+            <a:ext cx="6203430" cy="6203430"/>
+          </a:xfrm>
+          <a:prstGeom prst="rect">
+            <a:avLst/>
+          </a:prstGeom>
+        </p:spPr>
+      </p:pic>
+    </p:spTree>
+    <p:extLst>
+      <p:ext uri="{BB962C8B-B14F-4D97-AF65-F5344CB8AC3E}">
+        <p14:creationId xmlns:p14="http://schemas.microsoft.com/office/powerpoint/2010/main" val="4096252576"/>
+      </p:ext>
+    </p:extLst>
+  </p:cSld>
+  <p:clrMapOvr>
+    <a:masterClrMapping/>
+  </p:clrMapOvr>
+</p:sld>
+</file>
+
+<file path=ppt/slides/slide11.xml><?xml version="1.0" encoding="utf-8"?>
+<p:sld xmlns:a="http://schemas.openxmlformats.org/drawingml/2006/main" xmlns:r="http://schemas.openxmlformats.org/officeDocument/2006/relationships" xmlns:p="http://schemas.openxmlformats.org/presentationml/2006/main">
+  <p:cSld>
+    <p:spTree>
+      <p:nvGrpSpPr>
+        <p:cNvPr id="1" name="">
+          <a:extLst>
+            <a:ext uri="{FF2B5EF4-FFF2-40B4-BE49-F238E27FC236}">
+              <a16:creationId xmlns:a16="http://schemas.microsoft.com/office/drawing/2014/main" id="{AD3473EB-1494-C7FE-FDEF-B3DABD2C297D}"/>
+            </a:ext>
+          </a:extLst>
+        </p:cNvPr>
+        <p:cNvGrpSpPr/>
+        <p:nvPr/>
+      </p:nvGrpSpPr>
+      <p:grpSpPr>
+        <a:xfrm>
+          <a:off x="0" y="0"/>
+          <a:ext cx="0" cy="0"/>
+          <a:chOff x="0" y="0"/>
+          <a:chExt cx="0" cy="0"/>
+        </a:xfrm>
+      </p:grpSpPr>
+      <p:sp>
+        <p:nvSpPr>
+          <p:cNvPr id="3" name="Content Placeholder 2">
+            <a:extLst>
+              <a:ext uri="{FF2B5EF4-FFF2-40B4-BE49-F238E27FC236}">
+                <a16:creationId xmlns:a16="http://schemas.microsoft.com/office/drawing/2014/main" id="{F59DB012-DA36-039B-4B36-AC7737884A62}"/>
+              </a:ext>
+            </a:extLst>
+          </p:cNvPr>
+          <p:cNvSpPr txBox="1">
+            <a:spLocks/>
+          </p:cNvSpPr>
+          <p:nvPr/>
+        </p:nvSpPr>
+        <p:spPr>
+          <a:xfrm>
+            <a:off x="307381" y="1902698"/>
+            <a:ext cx="11721325" cy="4825780"/>
+          </a:xfrm>
+          <a:prstGeom prst="rect">
+            <a:avLst/>
+          </a:prstGeom>
+        </p:spPr>
+        <p:txBody>
+          <a:bodyPr vert="horz" lIns="91440" tIns="45720" rIns="91440" bIns="45720" rtlCol="0" anchor="ctr">
+            <a:normAutofit/>
+          </a:bodyPr>
+          <a:lstStyle>
+            <a:lvl1pPr marL="0" indent="0" algn="ctr" defTabSz="914400" rtl="0" eaLnBrk="1" latinLnBrk="0" hangingPunct="1">
+              <a:lnSpc>
+                <a:spcPct val="90000"/>
+              </a:lnSpc>
+              <a:spcBef>
+                <a:spcPts val="1000"/>
+              </a:spcBef>
+              <a:buFont typeface="Arial" panose="020B0604020202020204" pitchFamily="34" charset="0"/>
+              <a:buNone/>
+              <a:defRPr sz="2400" kern="1200">
+                <a:solidFill>
+                  <a:schemeClr val="tx1"/>
+                </a:solidFill>
+                <a:latin typeface="+mn-lt"/>
+                <a:ea typeface="+mn-ea"/>
+                <a:cs typeface="+mn-cs"/>
+              </a:defRPr>
+            </a:lvl1pPr>
+            <a:lvl2pPr marL="457200" indent="0" algn="ctr" defTabSz="914400" rtl="0" eaLnBrk="1" latinLnBrk="0" hangingPunct="1">
+              <a:lnSpc>
+                <a:spcPct val="90000"/>
+              </a:lnSpc>
+              <a:spcBef>
+                <a:spcPts val="500"/>
+              </a:spcBef>
+              <a:buFont typeface="Arial" panose="020B0604020202020204" pitchFamily="34" charset="0"/>
+              <a:buNone/>
+              <a:defRPr sz="2000" kern="1200">
+                <a:solidFill>
+                  <a:schemeClr val="tx1"/>
+                </a:solidFill>
+                <a:latin typeface="+mn-lt"/>
+                <a:ea typeface="+mn-ea"/>
+                <a:cs typeface="+mn-cs"/>
+              </a:defRPr>
+            </a:lvl2pPr>
+            <a:lvl3pPr marL="914400" indent="0" algn="ctr" defTabSz="914400" rtl="0" eaLnBrk="1" latinLnBrk="0" hangingPunct="1">
+              <a:lnSpc>
+                <a:spcPct val="90000"/>
+              </a:lnSpc>
+              <a:spcBef>
+                <a:spcPts val="500"/>
+              </a:spcBef>
+              <a:buFont typeface="Arial" panose="020B0604020202020204" pitchFamily="34" charset="0"/>
+              <a:buNone/>
+              <a:defRPr sz="1800" kern="1200">
+                <a:solidFill>
+                  <a:schemeClr val="tx1"/>
+                </a:solidFill>
+                <a:latin typeface="+mn-lt"/>
+                <a:ea typeface="+mn-ea"/>
+                <a:cs typeface="+mn-cs"/>
+              </a:defRPr>
+            </a:lvl3pPr>
+            <a:lvl4pPr marL="1371600" indent="0" algn="ctr" defTabSz="914400" rtl="0" eaLnBrk="1" latinLnBrk="0" hangingPunct="1">
+              <a:lnSpc>
+                <a:spcPct val="90000"/>
+              </a:lnSpc>
+              <a:spcBef>
+                <a:spcPts val="500"/>
+              </a:spcBef>
+              <a:buFont typeface="Arial" panose="020B0604020202020204" pitchFamily="34" charset="0"/>
+              <a:buNone/>
+              <a:defRPr sz="1600" kern="1200">
+                <a:solidFill>
+                  <a:schemeClr val="tx1"/>
+                </a:solidFill>
+                <a:latin typeface="+mn-lt"/>
+                <a:ea typeface="+mn-ea"/>
+                <a:cs typeface="+mn-cs"/>
+              </a:defRPr>
+            </a:lvl4pPr>
+            <a:lvl5pPr marL="1828800" indent="0" algn="ctr" defTabSz="914400" rtl="0" eaLnBrk="1" latinLnBrk="0" hangingPunct="1">
+              <a:lnSpc>
+                <a:spcPct val="90000"/>
+              </a:lnSpc>
+              <a:spcBef>
+                <a:spcPts val="500"/>
+              </a:spcBef>
+              <a:buFont typeface="Arial" panose="020B0604020202020204" pitchFamily="34" charset="0"/>
+              <a:buNone/>
+              <a:defRPr sz="1600" kern="1200">
+                <a:solidFill>
+                  <a:schemeClr val="tx1"/>
+                </a:solidFill>
+                <a:latin typeface="+mn-lt"/>
+                <a:ea typeface="+mn-ea"/>
+                <a:cs typeface="+mn-cs"/>
+              </a:defRPr>
+            </a:lvl5pPr>
+            <a:lvl6pPr marL="2286000" indent="0" algn="ctr" defTabSz="914400" rtl="0" eaLnBrk="1" latinLnBrk="0" hangingPunct="1">
+              <a:lnSpc>
+                <a:spcPct val="90000"/>
+              </a:lnSpc>
+              <a:spcBef>
+                <a:spcPts val="500"/>
+              </a:spcBef>
+              <a:buFont typeface="Arial" panose="020B0604020202020204" pitchFamily="34" charset="0"/>
+              <a:buNone/>
+              <a:defRPr sz="1600" kern="1200">
+                <a:solidFill>
+                  <a:schemeClr val="tx1"/>
+                </a:solidFill>
+                <a:latin typeface="+mn-lt"/>
+                <a:ea typeface="+mn-ea"/>
+                <a:cs typeface="+mn-cs"/>
+              </a:defRPr>
+            </a:lvl6pPr>
+            <a:lvl7pPr marL="2743200" indent="0" algn="ctr" defTabSz="914400" rtl="0" eaLnBrk="1" latinLnBrk="0" hangingPunct="1">
+              <a:lnSpc>
+                <a:spcPct val="90000"/>
+              </a:lnSpc>
+              <a:spcBef>
+                <a:spcPts val="500"/>
+              </a:spcBef>
+              <a:buFont typeface="Arial" panose="020B0604020202020204" pitchFamily="34" charset="0"/>
+              <a:buNone/>
+              <a:defRPr sz="1600" kern="1200">
+                <a:solidFill>
+                  <a:schemeClr val="tx1"/>
+                </a:solidFill>
+                <a:latin typeface="+mn-lt"/>
+                <a:ea typeface="+mn-ea"/>
+                <a:cs typeface="+mn-cs"/>
+              </a:defRPr>
+            </a:lvl7pPr>
+            <a:lvl8pPr marL="3200400" indent="0" algn="ctr" defTabSz="914400" rtl="0" eaLnBrk="1" latinLnBrk="0" hangingPunct="1">
+              <a:lnSpc>
+                <a:spcPct val="90000"/>
+              </a:lnSpc>
+              <a:spcBef>
+                <a:spcPts val="500"/>
+              </a:spcBef>
+              <a:buFont typeface="Arial" panose="020B0604020202020204" pitchFamily="34" charset="0"/>
+              <a:buNone/>
+              <a:defRPr sz="1600" kern="1200">
+                <a:solidFill>
+                  <a:schemeClr val="tx1"/>
+                </a:solidFill>
+                <a:latin typeface="+mn-lt"/>
+                <a:ea typeface="+mn-ea"/>
+                <a:cs typeface="+mn-cs"/>
+              </a:defRPr>
+            </a:lvl8pPr>
+            <a:lvl9pPr marL="3657600" indent="0" algn="ctr" defTabSz="914400" rtl="0" eaLnBrk="1" latinLnBrk="0" hangingPunct="1">
+              <a:lnSpc>
+                <a:spcPct val="90000"/>
+              </a:lnSpc>
+              <a:spcBef>
+                <a:spcPts val="500"/>
+              </a:spcBef>
+              <a:buFont typeface="Arial" panose="020B0604020202020204" pitchFamily="34" charset="0"/>
+              <a:buNone/>
+              <a:defRPr sz="1600" kern="1200">
+                <a:solidFill>
+                  <a:schemeClr val="tx1"/>
+                </a:solidFill>
+                <a:latin typeface="+mn-lt"/>
+                <a:ea typeface="+mn-ea"/>
+                <a:cs typeface="+mn-cs"/>
+              </a:defRPr>
+            </a:lvl9pPr>
+          </a:lstStyle>
+          <a:p>
+            <a:endParaRPr lang="en-GB" sz="1800" dirty="0"/>
+          </a:p>
+        </p:txBody>
+      </p:sp>
+      <p:pic>
+        <p:nvPicPr>
+          <p:cNvPr id="4" name="Picture 3">
+            <a:extLst>
+              <a:ext uri="{FF2B5EF4-FFF2-40B4-BE49-F238E27FC236}">
+                <a16:creationId xmlns:a16="http://schemas.microsoft.com/office/drawing/2014/main" id="{0B6407EC-95F6-FD5E-EBAB-11C717A6E0AA}"/>
+              </a:ext>
+            </a:extLst>
+          </p:cNvPr>
+          <p:cNvPicPr>
+            <a:picLocks noChangeAspect="1"/>
+          </p:cNvPicPr>
+          <p:nvPr/>
+        </p:nvPicPr>
+        <p:blipFill>
+          <a:blip r:embed="rId2"/>
+          <a:stretch>
+            <a:fillRect/>
+          </a:stretch>
+        </p:blipFill>
+        <p:spPr>
+          <a:xfrm>
+            <a:off x="1981199" y="1397833"/>
+            <a:ext cx="4572000" cy="4572000"/>
+          </a:xfrm>
+          <a:prstGeom prst="rect">
+            <a:avLst/>
+          </a:prstGeom>
+        </p:spPr>
+      </p:pic>
+      <p:sp>
+        <p:nvSpPr>
+          <p:cNvPr id="5" name="Title 1">
+            <a:extLst>
+              <a:ext uri="{FF2B5EF4-FFF2-40B4-BE49-F238E27FC236}">
+                <a16:creationId xmlns:a16="http://schemas.microsoft.com/office/drawing/2014/main" id="{FB45E93D-4D1C-9F4E-914E-003CBD50B45F}"/>
+              </a:ext>
+            </a:extLst>
+          </p:cNvPr>
+          <p:cNvSpPr>
+            <a:spLocks noGrp="1"/>
+          </p:cNvSpPr>
+          <p:nvPr>
+            <p:ph type="ctrTitle"/>
+          </p:nvPr>
+        </p:nvSpPr>
+        <p:spPr>
+          <a:xfrm>
+            <a:off x="115635" y="-1193800"/>
+            <a:ext cx="15877491" cy="2387600"/>
+          </a:xfrm>
+        </p:spPr>
+        <p:txBody>
+          <a:bodyPr>
+            <a:normAutofit/>
+          </a:bodyPr>
+          <a:lstStyle/>
+          <a:p>
+            <a:pPr algn="l"/>
+            <a:r>
+              <a:rPr lang="en-GB" sz="4000" dirty="0">
+                <a:solidFill>
+                  <a:schemeClr val="accent5">
+                    <a:lumMod val="75000"/>
+                  </a:schemeClr>
+                </a:solidFill>
+                <a:latin typeface="Avenir Book" panose="02000503020000020003" pitchFamily="2" charset="0"/>
+              </a:rPr>
+              <a:t>Differential expression analysis</a:t>
+            </a:r>
+          </a:p>
+        </p:txBody>
+      </p:sp>
+      <p:pic>
+        <p:nvPicPr>
+          <p:cNvPr id="15" name="Picture 14">
+            <a:extLst>
+              <a:ext uri="{FF2B5EF4-FFF2-40B4-BE49-F238E27FC236}">
+                <a16:creationId xmlns:a16="http://schemas.microsoft.com/office/drawing/2014/main" id="{26E23AF0-EBEC-F6E4-6F5E-C812400B6E9F}"/>
+              </a:ext>
+            </a:extLst>
+          </p:cNvPr>
+          <p:cNvPicPr>
+            <a:picLocks noChangeAspect="1"/>
+          </p:cNvPicPr>
+          <p:nvPr/>
+        </p:nvPicPr>
+        <p:blipFill>
+          <a:blip r:embed="rId3"/>
+          <a:srcRect l="7282" t="2990" b="1"/>
+          <a:stretch>
+            <a:fillRect/>
+          </a:stretch>
+        </p:blipFill>
+        <p:spPr>
+          <a:xfrm>
+            <a:off x="6685613" y="1866700"/>
+            <a:ext cx="3957404" cy="3874533"/>
+          </a:xfrm>
+          <a:prstGeom prst="rect">
+            <a:avLst/>
+          </a:prstGeom>
+        </p:spPr>
+      </p:pic>
+    </p:spTree>
+    <p:extLst>
+      <p:ext uri="{BB962C8B-B14F-4D97-AF65-F5344CB8AC3E}">
+        <p14:creationId xmlns:p14="http://schemas.microsoft.com/office/powerpoint/2010/main" val="1186465782"/>
+      </p:ext>
+    </p:extLst>
+  </p:cSld>
+  <p:clrMapOvr>
+    <a:masterClrMapping/>
+  </p:clrMapOvr>
+</p:sld>
+</file>
+
+<file path=ppt/slides/slide12.xml><?xml version="1.0" encoding="utf-8"?>
+<p:sld xmlns:a="http://schemas.openxmlformats.org/drawingml/2006/main" xmlns:r="http://schemas.openxmlformats.org/officeDocument/2006/relationships" xmlns:p="http://schemas.openxmlformats.org/presentationml/2006/main">
+  <p:cSld>
+    <p:spTree>
+      <p:nvGrpSpPr>
+        <p:cNvPr id="1" name="">
+          <a:extLst>
+            <a:ext uri="{FF2B5EF4-FFF2-40B4-BE49-F238E27FC236}">
+              <a16:creationId xmlns:a16="http://schemas.microsoft.com/office/drawing/2014/main" id="{CA2BFBAA-A0BE-5247-B575-C2FFC8101466}"/>
+            </a:ext>
+          </a:extLst>
+        </p:cNvPr>
+        <p:cNvGrpSpPr/>
+        <p:nvPr/>
+      </p:nvGrpSpPr>
+      <p:grpSpPr>
+        <a:xfrm>
+          <a:off x="0" y="0"/>
+          <a:ext cx="0" cy="0"/>
+          <a:chOff x="0" y="0"/>
+          <a:chExt cx="0" cy="0"/>
+        </a:xfrm>
+      </p:grpSpPr>
+      <p:sp>
+        <p:nvSpPr>
+          <p:cNvPr id="3" name="Content Placeholder 2">
+            <a:extLst>
+              <a:ext uri="{FF2B5EF4-FFF2-40B4-BE49-F238E27FC236}">
+                <a16:creationId xmlns:a16="http://schemas.microsoft.com/office/drawing/2014/main" id="{7001AA6B-AE71-7F74-F8F6-52A2C57B217B}"/>
+              </a:ext>
+            </a:extLst>
+          </p:cNvPr>
+          <p:cNvSpPr txBox="1">
+            <a:spLocks/>
+          </p:cNvSpPr>
+          <p:nvPr/>
+        </p:nvSpPr>
+        <p:spPr>
+          <a:xfrm>
+            <a:off x="307381" y="1902698"/>
+            <a:ext cx="11721325" cy="4825780"/>
+          </a:xfrm>
+          <a:prstGeom prst="rect">
+            <a:avLst/>
+          </a:prstGeom>
+        </p:spPr>
+        <p:txBody>
+          <a:bodyPr vert="horz" lIns="91440" tIns="45720" rIns="91440" bIns="45720" rtlCol="0" anchor="ctr">
+            <a:normAutofit/>
+          </a:bodyPr>
+          <a:lstStyle>
+            <a:lvl1pPr marL="0" indent="0" algn="ctr" defTabSz="914400" rtl="0" eaLnBrk="1" latinLnBrk="0" hangingPunct="1">
+              <a:lnSpc>
+                <a:spcPct val="90000"/>
+              </a:lnSpc>
+              <a:spcBef>
+                <a:spcPts val="1000"/>
+              </a:spcBef>
+              <a:buFont typeface="Arial" panose="020B0604020202020204" pitchFamily="34" charset="0"/>
+              <a:buNone/>
+              <a:defRPr sz="2400" kern="1200">
+                <a:solidFill>
+                  <a:schemeClr val="tx1"/>
+                </a:solidFill>
+                <a:latin typeface="+mn-lt"/>
+                <a:ea typeface="+mn-ea"/>
+                <a:cs typeface="+mn-cs"/>
+              </a:defRPr>
+            </a:lvl1pPr>
+            <a:lvl2pPr marL="457200" indent="0" algn="ctr" defTabSz="914400" rtl="0" eaLnBrk="1" latinLnBrk="0" hangingPunct="1">
+              <a:lnSpc>
+                <a:spcPct val="90000"/>
+              </a:lnSpc>
+              <a:spcBef>
+                <a:spcPts val="500"/>
+              </a:spcBef>
+              <a:buFont typeface="Arial" panose="020B0604020202020204" pitchFamily="34" charset="0"/>
+              <a:buNone/>
+              <a:defRPr sz="2000" kern="1200">
+                <a:solidFill>
+                  <a:schemeClr val="tx1"/>
+                </a:solidFill>
+                <a:latin typeface="+mn-lt"/>
+                <a:ea typeface="+mn-ea"/>
+                <a:cs typeface="+mn-cs"/>
+              </a:defRPr>
+            </a:lvl2pPr>
+            <a:lvl3pPr marL="914400" indent="0" algn="ctr" defTabSz="914400" rtl="0" eaLnBrk="1" latinLnBrk="0" hangingPunct="1">
+              <a:lnSpc>
+                <a:spcPct val="90000"/>
+              </a:lnSpc>
+              <a:spcBef>
+                <a:spcPts val="500"/>
+              </a:spcBef>
+              <a:buFont typeface="Arial" panose="020B0604020202020204" pitchFamily="34" charset="0"/>
+              <a:buNone/>
+              <a:defRPr sz="1800" kern="1200">
+                <a:solidFill>
+                  <a:schemeClr val="tx1"/>
+                </a:solidFill>
+                <a:latin typeface="+mn-lt"/>
+                <a:ea typeface="+mn-ea"/>
+                <a:cs typeface="+mn-cs"/>
+              </a:defRPr>
+            </a:lvl3pPr>
+            <a:lvl4pPr marL="1371600" indent="0" algn="ctr" defTabSz="914400" rtl="0" eaLnBrk="1" latinLnBrk="0" hangingPunct="1">
+              <a:lnSpc>
+                <a:spcPct val="90000"/>
+              </a:lnSpc>
+              <a:spcBef>
+                <a:spcPts val="500"/>
+              </a:spcBef>
+              <a:buFont typeface="Arial" panose="020B0604020202020204" pitchFamily="34" charset="0"/>
+              <a:buNone/>
+              <a:defRPr sz="1600" kern="1200">
+                <a:solidFill>
+                  <a:schemeClr val="tx1"/>
+                </a:solidFill>
+                <a:latin typeface="+mn-lt"/>
+                <a:ea typeface="+mn-ea"/>
+                <a:cs typeface="+mn-cs"/>
+              </a:defRPr>
+            </a:lvl4pPr>
+            <a:lvl5pPr marL="1828800" indent="0" algn="ctr" defTabSz="914400" rtl="0" eaLnBrk="1" latinLnBrk="0" hangingPunct="1">
+              <a:lnSpc>
+                <a:spcPct val="90000"/>
+              </a:lnSpc>
+              <a:spcBef>
+                <a:spcPts val="500"/>
+              </a:spcBef>
+              <a:buFont typeface="Arial" panose="020B0604020202020204" pitchFamily="34" charset="0"/>
+              <a:buNone/>
+              <a:defRPr sz="1600" kern="1200">
+                <a:solidFill>
+                  <a:schemeClr val="tx1"/>
+                </a:solidFill>
+                <a:latin typeface="+mn-lt"/>
+                <a:ea typeface="+mn-ea"/>
+                <a:cs typeface="+mn-cs"/>
+              </a:defRPr>
+            </a:lvl5pPr>
+            <a:lvl6pPr marL="2286000" indent="0" algn="ctr" defTabSz="914400" rtl="0" eaLnBrk="1" latinLnBrk="0" hangingPunct="1">
+              <a:lnSpc>
+                <a:spcPct val="90000"/>
+              </a:lnSpc>
+              <a:spcBef>
+                <a:spcPts val="500"/>
+              </a:spcBef>
+              <a:buFont typeface="Arial" panose="020B0604020202020204" pitchFamily="34" charset="0"/>
+              <a:buNone/>
+              <a:defRPr sz="1600" kern="1200">
+                <a:solidFill>
+                  <a:schemeClr val="tx1"/>
+                </a:solidFill>
+                <a:latin typeface="+mn-lt"/>
+                <a:ea typeface="+mn-ea"/>
+                <a:cs typeface="+mn-cs"/>
+              </a:defRPr>
+            </a:lvl6pPr>
+            <a:lvl7pPr marL="2743200" indent="0" algn="ctr" defTabSz="914400" rtl="0" eaLnBrk="1" latinLnBrk="0" hangingPunct="1">
+              <a:lnSpc>
+                <a:spcPct val="90000"/>
+              </a:lnSpc>
+              <a:spcBef>
+                <a:spcPts val="500"/>
+              </a:spcBef>
+              <a:buFont typeface="Arial" panose="020B0604020202020204" pitchFamily="34" charset="0"/>
+              <a:buNone/>
+              <a:defRPr sz="1600" kern="1200">
+                <a:solidFill>
+                  <a:schemeClr val="tx1"/>
+                </a:solidFill>
+                <a:latin typeface="+mn-lt"/>
+                <a:ea typeface="+mn-ea"/>
+                <a:cs typeface="+mn-cs"/>
+              </a:defRPr>
+            </a:lvl7pPr>
+            <a:lvl8pPr marL="3200400" indent="0" algn="ctr" defTabSz="914400" rtl="0" eaLnBrk="1" latinLnBrk="0" hangingPunct="1">
+              <a:lnSpc>
+                <a:spcPct val="90000"/>
+              </a:lnSpc>
+              <a:spcBef>
+                <a:spcPts val="500"/>
+              </a:spcBef>
+              <a:buFont typeface="Arial" panose="020B0604020202020204" pitchFamily="34" charset="0"/>
+              <a:buNone/>
+              <a:defRPr sz="1600" kern="1200">
+                <a:solidFill>
+                  <a:schemeClr val="tx1"/>
+                </a:solidFill>
+                <a:latin typeface="+mn-lt"/>
+                <a:ea typeface="+mn-ea"/>
+                <a:cs typeface="+mn-cs"/>
+              </a:defRPr>
+            </a:lvl8pPr>
+            <a:lvl9pPr marL="3657600" indent="0" algn="ctr" defTabSz="914400" rtl="0" eaLnBrk="1" latinLnBrk="0" hangingPunct="1">
+              <a:lnSpc>
+                <a:spcPct val="90000"/>
+              </a:lnSpc>
+              <a:spcBef>
+                <a:spcPts val="500"/>
+              </a:spcBef>
+              <a:buFont typeface="Arial" panose="020B0604020202020204" pitchFamily="34" charset="0"/>
+              <a:buNone/>
+              <a:defRPr sz="1600" kern="1200">
+                <a:solidFill>
+                  <a:schemeClr val="tx1"/>
+                </a:solidFill>
+                <a:latin typeface="+mn-lt"/>
+                <a:ea typeface="+mn-ea"/>
+                <a:cs typeface="+mn-cs"/>
+              </a:defRPr>
+            </a:lvl9pPr>
+          </a:lstStyle>
+          <a:p>
+            <a:endParaRPr lang="en-GB" sz="1800" dirty="0"/>
+          </a:p>
+        </p:txBody>
+      </p:sp>
+      <p:pic>
+        <p:nvPicPr>
+          <p:cNvPr id="4" name="Picture 3">
+            <a:extLst>
+              <a:ext uri="{FF2B5EF4-FFF2-40B4-BE49-F238E27FC236}">
+                <a16:creationId xmlns:a16="http://schemas.microsoft.com/office/drawing/2014/main" id="{66350543-65B9-BA30-321E-C761B713AE2B}"/>
+              </a:ext>
+            </a:extLst>
+          </p:cNvPr>
+          <p:cNvPicPr>
+            <a:picLocks noChangeAspect="1"/>
+          </p:cNvPicPr>
+          <p:nvPr/>
+        </p:nvPicPr>
+        <p:blipFill>
+          <a:blip r:embed="rId2"/>
+          <a:stretch>
+            <a:fillRect/>
+          </a:stretch>
+        </p:blipFill>
+        <p:spPr>
+          <a:xfrm>
+            <a:off x="976858" y="1562724"/>
+            <a:ext cx="4572000" cy="4572000"/>
+          </a:xfrm>
+          <a:prstGeom prst="rect">
+            <a:avLst/>
+          </a:prstGeom>
+        </p:spPr>
+      </p:pic>
+      <p:sp>
+        <p:nvSpPr>
+          <p:cNvPr id="5" name="Title 1">
+            <a:extLst>
+              <a:ext uri="{FF2B5EF4-FFF2-40B4-BE49-F238E27FC236}">
+                <a16:creationId xmlns:a16="http://schemas.microsoft.com/office/drawing/2014/main" id="{48F495C6-4D47-1CED-0C76-AB9B30B7767F}"/>
+              </a:ext>
+            </a:extLst>
+          </p:cNvPr>
+          <p:cNvSpPr>
+            <a:spLocks noGrp="1"/>
+          </p:cNvSpPr>
+          <p:nvPr>
+            <p:ph type="ctrTitle"/>
+          </p:nvPr>
+        </p:nvSpPr>
+        <p:spPr>
+          <a:xfrm>
+            <a:off x="115635" y="-1193800"/>
+            <a:ext cx="15877491" cy="2387600"/>
+          </a:xfrm>
+        </p:spPr>
+        <p:txBody>
+          <a:bodyPr>
+            <a:normAutofit/>
+          </a:bodyPr>
+          <a:lstStyle/>
+          <a:p>
+            <a:pPr algn="l"/>
+            <a:r>
+              <a:rPr lang="en-GB" sz="4000" dirty="0">
+                <a:solidFill>
+                  <a:schemeClr val="accent5">
+                    <a:lumMod val="75000"/>
+                  </a:schemeClr>
+                </a:solidFill>
+                <a:latin typeface="Avenir Book" panose="02000503020000020003" pitchFamily="2" charset="0"/>
+              </a:rPr>
+              <a:t>Differential expression analysis</a:t>
+            </a:r>
+          </a:p>
+        </p:txBody>
+      </p:sp>
+      <p:pic>
+        <p:nvPicPr>
+          <p:cNvPr id="14" name="Picture 13">
+            <a:extLst>
+              <a:ext uri="{FF2B5EF4-FFF2-40B4-BE49-F238E27FC236}">
+                <a16:creationId xmlns:a16="http://schemas.microsoft.com/office/drawing/2014/main" id="{D45EEA78-D731-D624-8704-AEC5573B3638}"/>
+              </a:ext>
+            </a:extLst>
+          </p:cNvPr>
+          <p:cNvPicPr>
+            <a:picLocks noChangeAspect="1"/>
+          </p:cNvPicPr>
+          <p:nvPr/>
+        </p:nvPicPr>
+        <p:blipFill>
+          <a:blip r:embed="rId3"/>
+          <a:stretch>
+            <a:fillRect/>
+          </a:stretch>
+        </p:blipFill>
+        <p:spPr>
+          <a:xfrm>
+            <a:off x="5639341" y="1767375"/>
+            <a:ext cx="6172908" cy="4159656"/>
+          </a:xfrm>
+          <a:prstGeom prst="rect">
+            <a:avLst/>
+          </a:prstGeom>
+        </p:spPr>
+      </p:pic>
+    </p:spTree>
+    <p:extLst>
+      <p:ext uri="{BB962C8B-B14F-4D97-AF65-F5344CB8AC3E}">
+        <p14:creationId xmlns:p14="http://schemas.microsoft.com/office/powerpoint/2010/main" val="3242519504"/>
+      </p:ext>
+    </p:extLst>
+  </p:cSld>
+  <p:clrMapOvr>
+    <a:masterClrMapping/>
+  </p:clrMapOvr>
+</p:sld>
+</file>
+
 <file path=ppt/slides/slide2.xml><?xml version="1.0" encoding="utf-8"?>
 <p:sld xmlns:a="http://schemas.openxmlformats.org/drawingml/2006/main" xmlns:r="http://schemas.openxmlformats.org/officeDocument/2006/relationships" xmlns:p="http://schemas.openxmlformats.org/presentationml/2006/main">
   <p:cSld>
@@ -7566,102 +8502,6 @@
           </a:p>
         </p:txBody>
       </p:sp>
-      <p:pic>
-        <p:nvPicPr>
-          <p:cNvPr id="9" name="Picture 8" descr="A diagram of a cyst formation&#10;&#10;AI-generated content may be incorrect.">
-            <a:extLst>
-              <a:ext uri="{FF2B5EF4-FFF2-40B4-BE49-F238E27FC236}">
-                <a16:creationId xmlns:a16="http://schemas.microsoft.com/office/drawing/2014/main" id="{91A37BBA-FB18-8EF0-6B97-E29FD26CFFF2}"/>
-              </a:ext>
-            </a:extLst>
-          </p:cNvPr>
-          <p:cNvPicPr>
-            <a:picLocks noChangeAspect="1"/>
-          </p:cNvPicPr>
-          <p:nvPr/>
-        </p:nvPicPr>
-        <p:blipFill>
-          <a:blip r:embed="rId2"/>
-          <a:stretch>
-            <a:fillRect/>
-          </a:stretch>
-        </p:blipFill>
-        <p:spPr>
-          <a:xfrm>
-            <a:off x="7983806" y="315213"/>
-            <a:ext cx="3015499" cy="3916101"/>
-          </a:xfrm>
-          <a:prstGeom prst="rect">
-            <a:avLst/>
-          </a:prstGeom>
-        </p:spPr>
-      </p:pic>
-      <p:pic>
-        <p:nvPicPr>
-          <p:cNvPr id="11" name="Graphic 10" descr="Rat with solid fill">
-            <a:extLst>
-              <a:ext uri="{FF2B5EF4-FFF2-40B4-BE49-F238E27FC236}">
-                <a16:creationId xmlns:a16="http://schemas.microsoft.com/office/drawing/2014/main" id="{7AF8A0B1-8467-01E1-2D96-DBB8C099D6F0}"/>
-              </a:ext>
-            </a:extLst>
-          </p:cNvPr>
-          <p:cNvPicPr>
-            <a:picLocks noChangeAspect="1"/>
-          </p:cNvPicPr>
-          <p:nvPr/>
-        </p:nvPicPr>
-        <p:blipFill>
-          <a:blip r:embed="rId3">
-            <a:extLst>
-              <a:ext uri="{96DAC541-7B7A-43D3-8B79-37D633B846F1}">
-                <asvg:svgBlip xmlns:asvg="http://schemas.microsoft.com/office/drawing/2016/SVG/main" r:embed="rId4"/>
-              </a:ext>
-            </a:extLst>
-          </a:blip>
-          <a:stretch>
-            <a:fillRect/>
-          </a:stretch>
-        </p:blipFill>
-        <p:spPr>
-          <a:xfrm>
-            <a:off x="7613374" y="0"/>
-            <a:ext cx="914400" cy="914400"/>
-          </a:xfrm>
-          <a:prstGeom prst="rect">
-            <a:avLst/>
-          </a:prstGeom>
-        </p:spPr>
-      </p:pic>
-      <p:pic>
-        <p:nvPicPr>
-          <p:cNvPr id="13" name="Picture 12" descr="A collage of images of a human body&#10;&#10;AI-generated content may be incorrect.">
-            <a:extLst>
-              <a:ext uri="{FF2B5EF4-FFF2-40B4-BE49-F238E27FC236}">
-                <a16:creationId xmlns:a16="http://schemas.microsoft.com/office/drawing/2014/main" id="{D0C194A5-1D58-78E9-66E2-DC38DD400A41}"/>
-              </a:ext>
-            </a:extLst>
-          </p:cNvPr>
-          <p:cNvPicPr>
-            <a:picLocks noChangeAspect="1"/>
-          </p:cNvPicPr>
-          <p:nvPr/>
-        </p:nvPicPr>
-        <p:blipFill>
-          <a:blip r:embed="rId5"/>
-          <a:stretch>
-            <a:fillRect/>
-          </a:stretch>
-        </p:blipFill>
-        <p:spPr>
-          <a:xfrm>
-            <a:off x="6907143" y="4148641"/>
-            <a:ext cx="5033066" cy="2376315"/>
-          </a:xfrm>
-          <a:prstGeom prst="rect">
-            <a:avLst/>
-          </a:prstGeom>
-        </p:spPr>
-      </p:pic>
       <p:sp>
         <p:nvSpPr>
           <p:cNvPr id="14" name="TextBox 13">
@@ -7787,6 +8627,37 @@
           </a:p>
         </p:txBody>
       </p:sp>
+      <p:pic>
+        <p:nvPicPr>
+          <p:cNvPr id="4" name="Picture 3">
+            <a:extLst>
+              <a:ext uri="{FF2B5EF4-FFF2-40B4-BE49-F238E27FC236}">
+                <a16:creationId xmlns:a16="http://schemas.microsoft.com/office/drawing/2014/main" id="{05AFCAD5-283E-018E-2961-3A1CA081FE43}"/>
+              </a:ext>
+            </a:extLst>
+          </p:cNvPr>
+          <p:cNvPicPr>
+            <a:picLocks noChangeAspect="1"/>
+          </p:cNvPicPr>
+          <p:nvPr/>
+        </p:nvPicPr>
+        <p:blipFill>
+          <a:blip r:embed="rId2"/>
+          <a:srcRect l="7282" t="2990" b="1"/>
+          <a:stretch>
+            <a:fillRect/>
+          </a:stretch>
+        </p:blipFill>
+        <p:spPr>
+          <a:xfrm>
+            <a:off x="6430780" y="1334123"/>
+            <a:ext cx="4317642" cy="4227227"/>
+          </a:xfrm>
+          <a:prstGeom prst="rect">
+            <a:avLst/>
+          </a:prstGeom>
+        </p:spPr>
+      </p:pic>
     </p:spTree>
     <p:extLst>
       <p:ext uri="{BB962C8B-B14F-4D97-AF65-F5344CB8AC3E}">

--- a/team1/Team1_presentation.pptx
+++ b/team1/Team1_presentation.pptx
@@ -19335,7 +19335,7 @@
         <p:spPr>
           <a:xfrm>
             <a:off x="583143" y="2186518"/>
-            <a:ext cx="11063287" cy="3262432"/>
+            <a:ext cx="11063287" cy="4124206"/>
           </a:xfrm>
           <a:prstGeom prst="rect">
             <a:avLst/>
@@ -19455,6 +19455,43 @@
                 <a:sym typeface="Wingdings" pitchFamily="2" charset="2"/>
               </a:rPr>
               <a:t> (pooled parental and EV cell lines): 5 / 5</a:t>
+            </a:r>
+          </a:p>
+          <a:p>
+            <a:pPr marL="285750" indent="-285750">
+              <a:buFont typeface="Wingdings" pitchFamily="2" charset="2"/>
+              <a:buChar char="à"/>
+            </a:pPr>
+            <a:endParaRPr lang="en-GB" sz="2800" dirty="0">
+              <a:latin typeface="Avenir Book" panose="02000503020000020003" pitchFamily="2" charset="0"/>
+              <a:sym typeface="Wingdings" pitchFamily="2" charset="2"/>
+            </a:endParaRPr>
+          </a:p>
+          <a:p>
+            <a:pPr marL="285750" indent="-285750">
+              <a:buFont typeface="Wingdings" pitchFamily="2" charset="2"/>
+              <a:buChar char="à"/>
+            </a:pPr>
+            <a:r>
+              <a:rPr lang="en-GB" sz="2800" dirty="0">
+                <a:latin typeface="Avenir Book" panose="02000503020000020003" pitchFamily="2" charset="0"/>
+                <a:sym typeface="Wingdings" pitchFamily="2" charset="2"/>
+              </a:rPr>
+              <a:t>Significant proteins: </a:t>
+            </a:r>
+            <a:r>
+              <a:rPr lang="en-GB" sz="2800" b="1" dirty="0" err="1">
+                <a:latin typeface="Avenir Book" panose="02000503020000020003" pitchFamily="2" charset="0"/>
+                <a:sym typeface="Wingdings" pitchFamily="2" charset="2"/>
+              </a:rPr>
+              <a:t>padj</a:t>
+            </a:r>
+            <a:r>
+              <a:rPr lang="en-GB" sz="2800" b="1" dirty="0">
+                <a:latin typeface="Avenir Book" panose="02000503020000020003" pitchFamily="2" charset="0"/>
+                <a:sym typeface="Wingdings" pitchFamily="2" charset="2"/>
+              </a:rPr>
+              <a:t> &lt; 0.05</a:t>
             </a:r>
           </a:p>
           <a:p>
